--- a/PPT/หน่วยที่ 4.pptx
+++ b/PPT/หน่วยที่ 4.pptx
@@ -4981,7 +4981,7 @@
           <a:p>
             <a:fld id="{9CF7A3B6-6648-4822-9BDF-69B6095EBC8C}" type="datetimeFigureOut">
               <a:rPr lang="en-US" smtClean="0"/>
-              <a:t>2/23/2022</a:t>
+              <a:t>2/24/2022</a:t>
             </a:fld>
             <a:endParaRPr lang="en-US"/>
           </a:p>
@@ -5395,7 +5395,7 @@
           <a:p>
             <a:fld id="{9C51F170-F2DA-4B22-BDF1-4FBD448A0EB5}" type="datetime1">
               <a:rPr lang="en-US" smtClean="0"/>
-              <a:t>2/23/2022</a:t>
+              <a:t>2/24/2022</a:t>
             </a:fld>
             <a:endParaRPr lang="en-US"/>
           </a:p>
@@ -5593,7 +5593,7 @@
           <a:p>
             <a:fld id="{E0C605DF-3D72-4B0E-BF29-420284BA3DF6}" type="datetime1">
               <a:rPr lang="en-US" smtClean="0"/>
-              <a:t>2/23/2022</a:t>
+              <a:t>2/24/2022</a:t>
             </a:fld>
             <a:endParaRPr lang="en-US"/>
           </a:p>
@@ -5801,7 +5801,7 @@
           <a:p>
             <a:fld id="{F069DEA4-7023-4974-A51B-22AF6AEBE3DE}" type="datetime1">
               <a:rPr lang="en-US" smtClean="0"/>
-              <a:t>2/23/2022</a:t>
+              <a:t>2/24/2022</a:t>
             </a:fld>
             <a:endParaRPr lang="en-US"/>
           </a:p>
@@ -5999,7 +5999,7 @@
           <a:p>
             <a:fld id="{8E310E6B-8E86-42BE-9995-91541EE0382B}" type="datetime1">
               <a:rPr lang="en-US" smtClean="0"/>
-              <a:t>2/23/2022</a:t>
+              <a:t>2/24/2022</a:t>
             </a:fld>
             <a:endParaRPr lang="en-US"/>
           </a:p>
@@ -6274,7 +6274,7 @@
           <a:p>
             <a:fld id="{79A9A2C4-6FFC-49C8-A5F2-26C59302090C}" type="datetime1">
               <a:rPr lang="en-US" smtClean="0"/>
-              <a:t>2/23/2022</a:t>
+              <a:t>2/24/2022</a:t>
             </a:fld>
             <a:endParaRPr lang="en-US"/>
           </a:p>
@@ -6539,7 +6539,7 @@
           <a:p>
             <a:fld id="{C6BECF22-E571-42AE-9903-1960052A5051}" type="datetime1">
               <a:rPr lang="en-US" smtClean="0"/>
-              <a:t>2/23/2022</a:t>
+              <a:t>2/24/2022</a:t>
             </a:fld>
             <a:endParaRPr lang="en-US"/>
           </a:p>
@@ -6951,7 +6951,7 @@
           <a:p>
             <a:fld id="{85A2038A-D404-4688-8B83-0AF5FA0BBFE6}" type="datetime1">
               <a:rPr lang="en-US" smtClean="0"/>
-              <a:t>2/23/2022</a:t>
+              <a:t>2/24/2022</a:t>
             </a:fld>
             <a:endParaRPr lang="en-US"/>
           </a:p>
@@ -7092,7 +7092,7 @@
           <a:p>
             <a:fld id="{A91B859B-2DE2-4C0C-B29D-F2597A0B4AA0}" type="datetime1">
               <a:rPr lang="en-US" smtClean="0"/>
-              <a:t>2/23/2022</a:t>
+              <a:t>2/24/2022</a:t>
             </a:fld>
             <a:endParaRPr lang="en-US"/>
           </a:p>
@@ -7205,7 +7205,7 @@
           <a:p>
             <a:fld id="{87BBA38A-1268-4BEE-8C8F-821B2278BFCA}" type="datetime1">
               <a:rPr lang="en-US" smtClean="0"/>
-              <a:t>2/23/2022</a:t>
+              <a:t>2/24/2022</a:t>
             </a:fld>
             <a:endParaRPr lang="en-US"/>
           </a:p>
@@ -7516,7 +7516,7 @@
           <a:p>
             <a:fld id="{3141283C-6E84-4995-AB3D-BFF3DE5B6DA8}" type="datetime1">
               <a:rPr lang="en-US" smtClean="0"/>
-              <a:t>2/23/2022</a:t>
+              <a:t>2/24/2022</a:t>
             </a:fld>
             <a:endParaRPr lang="en-US"/>
           </a:p>
@@ -7804,7 +7804,7 @@
           <a:p>
             <a:fld id="{C04D516B-CA18-4D3B-B396-B41E0A9F5CD9}" type="datetime1">
               <a:rPr lang="en-US" smtClean="0"/>
-              <a:t>2/23/2022</a:t>
+              <a:t>2/24/2022</a:t>
             </a:fld>
             <a:endParaRPr lang="en-US"/>
           </a:p>
@@ -8053,7 +8053,7 @@
           <a:p>
             <a:fld id="{0D5D762F-A307-4386-9F31-7529B9CDF39B}" type="datetime1">
               <a:rPr lang="en-US" smtClean="0"/>
-              <a:t>2/23/2022</a:t>
+              <a:t>2/24/2022</a:t>
             </a:fld>
             <a:endParaRPr lang="en-US"/>
           </a:p>
@@ -21280,7 +21280,7 @@
         <p:spPr>
           <a:xfrm>
             <a:off x="838200" y="6488668"/>
-            <a:ext cx="8295685" cy="369332"/>
+            <a:ext cx="8295685" cy="646331"/>
           </a:xfrm>
           <a:prstGeom prst="rect">
             <a:avLst/>
@@ -21294,9 +21294,15 @@
           <a:lstStyle/>
           <a:p>
             <a:r>
-              <a:rPr lang="en-US" dirty="0"/>
+              <a:rPr lang="en-US" dirty="0">
+                <a:hlinkClick r:id="rId3"/>
+              </a:rPr>
               <a:t>https://docs.microsoft.com/en-us/dotnet/architecture/cloud-native/introduction</a:t>
             </a:r>
+            <a:endParaRPr lang="en-US" dirty="0"/>
+          </a:p>
+          <a:p>
+            <a:endParaRPr lang="en-US" dirty="0"/>
           </a:p>
         </p:txBody>
       </p:sp>
@@ -39023,6 +39029,26 @@
 </file>
 
 <file path=customXml/item1.xml><?xml version="1.0" encoding="utf-8"?>
+<p:properties xmlns:p="http://schemas.microsoft.com/office/2006/metadata/properties" xmlns:xsi="http://www.w3.org/2001/XMLSchema-instance" xmlns:pc="http://schemas.microsoft.com/office/infopath/2007/PartnerControls">
+  <documentManagement>
+    <TaxCatchAll xmlns="7cc98989-72c3-446c-ae77-edbe8b0d3d4f" xsi:nil="true"/>
+    <lcf76f155ced4ddcb4097134ff3c332f xmlns="f6931950-b3bd-48d0-869a-0ff6947ee6b8">
+      <Terms xmlns="http://schemas.microsoft.com/office/infopath/2007/PartnerControls"/>
+    </lcf76f155ced4ddcb4097134ff3c332f>
+  </documentManagement>
+</p:properties>
+</file>
+
+<file path=customXml/item2.xml><?xml version="1.0" encoding="utf-8"?>
+<?mso-contentType ?>
+<FormTemplates xmlns="http://schemas.microsoft.com/sharepoint/v3/contenttype/forms">
+  <Display>DocumentLibraryForm</Display>
+  <Edit>DocumentLibraryForm</Edit>
+  <New>DocumentLibraryForm</New>
+</FormTemplates>
+</file>
+
+<file path=customXml/item3.xml><?xml version="1.0" encoding="utf-8"?>
 <ct:contentTypeSchema xmlns:ct="http://schemas.microsoft.com/office/2006/metadata/contentType" xmlns:ma="http://schemas.microsoft.com/office/2006/metadata/properties/metaAttributes" ct:_="" ma:_="" ma:contentTypeName="Document" ma:contentTypeID="0x0101005AC05097884E7346B95458D1EAE16B12" ma:contentTypeVersion="9" ma:contentTypeDescription="Create a new document." ma:contentTypeScope="" ma:versionID="53065544a541fc9b775a2cc133bcaf9f">
   <xsd:schema xmlns:xsd="http://www.w3.org/2001/XMLSchema" xmlns:xs="http://www.w3.org/2001/XMLSchema" xmlns:p="http://schemas.microsoft.com/office/2006/metadata/properties" xmlns:ns2="f6931950-b3bd-48d0-869a-0ff6947ee6b8" xmlns:ns3="7cc98989-72c3-446c-ae77-edbe8b0d3d4f" targetNamespace="http://schemas.microsoft.com/office/2006/metadata/properties" ma:root="true" ma:fieldsID="112423c7ad69c78866a7108fa5d8a06e" ns2:_="" ns3:_="">
     <xsd:import namespace="f6931950-b3bd-48d0-869a-0ff6947ee6b8"/>
@@ -39205,31 +39231,7 @@
 </ct:contentTypeSchema>
 </file>
 
-<file path=customXml/item2.xml><?xml version="1.0" encoding="utf-8"?>
-<p:properties xmlns:p="http://schemas.microsoft.com/office/2006/metadata/properties" xmlns:xsi="http://www.w3.org/2001/XMLSchema-instance" xmlns:pc="http://schemas.microsoft.com/office/infopath/2007/PartnerControls">
-  <documentManagement>
-    <TaxCatchAll xmlns="7cc98989-72c3-446c-ae77-edbe8b0d3d4f" xsi:nil="true"/>
-    <lcf76f155ced4ddcb4097134ff3c332f xmlns="f6931950-b3bd-48d0-869a-0ff6947ee6b8">
-      <Terms xmlns="http://schemas.microsoft.com/office/infopath/2007/PartnerControls"/>
-    </lcf76f155ced4ddcb4097134ff3c332f>
-  </documentManagement>
-</p:properties>
-</file>
-
-<file path=customXml/item3.xml><?xml version="1.0" encoding="utf-8"?>
-<?mso-contentType ?>
-<FormTemplates xmlns="http://schemas.microsoft.com/sharepoint/v3/contenttype/forms">
-  <Display>DocumentLibraryForm</Display>
-  <Edit>DocumentLibraryForm</Edit>
-  <New>DocumentLibraryForm</New>
-</FormTemplates>
-</file>
-
 <file path=customXml/itemProps1.xml><?xml version="1.0" encoding="utf-8"?>
-<ds:datastoreItem xmlns:ds="http://schemas.openxmlformats.org/officeDocument/2006/customXml" ds:itemID="{1B11D590-29B6-4BA8-A2A0-FDAF1CE81514}"/>
-</file>
-
-<file path=customXml/itemProps2.xml><?xml version="1.0" encoding="utf-8"?>
 <ds:datastoreItem xmlns:ds="http://schemas.openxmlformats.org/officeDocument/2006/customXml" ds:itemID="{9302BA6C-D1F6-41F5-99CB-A57FEDC915A3}">
   <ds:schemaRefs>
     <ds:schemaRef ds:uri="http://www.w3.org/XML/1998/namespace"/>
@@ -39241,14 +39243,34 @@
     <ds:schemaRef ds:uri="http://schemas.openxmlformats.org/package/2006/metadata/core-properties"/>
     <ds:schemaRef ds:uri="http://schemas.microsoft.com/office/2006/metadata/properties"/>
     <ds:schemaRef ds:uri="http://purl.org/dc/terms/"/>
+    <ds:schemaRef ds:uri="7cc98989-72c3-446c-ae77-edbe8b0d3d4f"/>
+  </ds:schemaRefs>
+</ds:datastoreItem>
+</file>
+
+<file path=customXml/itemProps2.xml><?xml version="1.0" encoding="utf-8"?>
+<ds:datastoreItem xmlns:ds="http://schemas.openxmlformats.org/officeDocument/2006/customXml" ds:itemID="{278F3731-4B60-4B27-B726-3EC878154004}">
+  <ds:schemaRefs>
+    <ds:schemaRef ds:uri="http://schemas.microsoft.com/sharepoint/v3/contenttype/forms"/>
   </ds:schemaRefs>
 </ds:datastoreItem>
 </file>
 
 <file path=customXml/itemProps3.xml><?xml version="1.0" encoding="utf-8"?>
-<ds:datastoreItem xmlns:ds="http://schemas.openxmlformats.org/officeDocument/2006/customXml" ds:itemID="{278F3731-4B60-4B27-B726-3EC878154004}">
+<ds:datastoreItem xmlns:ds="http://schemas.openxmlformats.org/officeDocument/2006/customXml" ds:itemID="{1B11D590-29B6-4BA8-A2A0-FDAF1CE81514}">
   <ds:schemaRefs>
-    <ds:schemaRef ds:uri="http://schemas.microsoft.com/sharepoint/v3/contenttype/forms"/>
+    <ds:schemaRef ds:uri="http://schemas.microsoft.com/office/2006/metadata/contentType"/>
+    <ds:schemaRef ds:uri="http://schemas.microsoft.com/office/2006/metadata/properties/metaAttributes"/>
+    <ds:schemaRef ds:uri="http://www.w3.org/2001/XMLSchema"/>
+    <ds:schemaRef ds:uri="http://schemas.microsoft.com/office/2006/metadata/properties"/>
+    <ds:schemaRef ds:uri="f6931950-b3bd-48d0-869a-0ff6947ee6b8"/>
+    <ds:schemaRef ds:uri="7cc98989-72c3-446c-ae77-edbe8b0d3d4f"/>
+    <ds:schemaRef ds:uri="http://schemas.microsoft.com/office/2006/documentManagement/types"/>
+    <ds:schemaRef ds:uri="http://schemas.microsoft.com/office/infopath/2007/PartnerControls"/>
+    <ds:schemaRef ds:uri="http://schemas.openxmlformats.org/package/2006/metadata/core-properties"/>
+    <ds:schemaRef ds:uri="http://purl.org/dc/elements/1.1/"/>
+    <ds:schemaRef ds:uri="http://purl.org/dc/terms/"/>
+    <ds:schemaRef ds:uri="http://schemas.microsoft.com/internal/obd"/>
   </ds:schemaRefs>
 </ds:datastoreItem>
 </file>